--- a/3_Error_Bars.pptx
+++ b/3_Error_Bars.pptx
@@ -5,21 +5,20 @@
     <p:sldMasterId id="2147484703" r:id="rId1"/>
   </p:sldMasterIdLst>
   <p:notesMasterIdLst>
-    <p:notesMasterId r:id="rId11"/>
+    <p:notesMasterId r:id="rId10"/>
   </p:notesMasterIdLst>
   <p:handoutMasterIdLst>
-    <p:handoutMasterId r:id="rId12"/>
+    <p:handoutMasterId r:id="rId11"/>
   </p:handoutMasterIdLst>
   <p:sldIdLst>
     <p:sldId id="352" r:id="rId2"/>
-    <p:sldId id="354" r:id="rId3"/>
-    <p:sldId id="345" r:id="rId4"/>
-    <p:sldId id="346" r:id="rId5"/>
-    <p:sldId id="347" r:id="rId6"/>
-    <p:sldId id="348" r:id="rId7"/>
-    <p:sldId id="349" r:id="rId8"/>
-    <p:sldId id="351" r:id="rId9"/>
-    <p:sldId id="350" r:id="rId10"/>
+    <p:sldId id="345" r:id="rId3"/>
+    <p:sldId id="346" r:id="rId4"/>
+    <p:sldId id="347" r:id="rId5"/>
+    <p:sldId id="348" r:id="rId6"/>
+    <p:sldId id="349" r:id="rId7"/>
+    <p:sldId id="351" r:id="rId8"/>
+    <p:sldId id="350" r:id="rId9"/>
   </p:sldIdLst>
   <p:sldSz cx="12192000" cy="6858000"/>
   <p:notesSz cx="6858000" cy="9144000"/>
@@ -222,7 +221,7 @@
           <a:p>
             <a:fld id="{73D5C047-4BF6-2244-A5E3-D41B1218D9A5}" type="datetimeFigureOut">
               <a:rPr lang="en-GB" smtClean="0"/>
-              <a:t>15/08/2024</a:t>
+              <a:t>21/08/2024</a:t>
             </a:fld>
             <a:endParaRPr lang="en-GB"/>
           </a:p>
@@ -387,7 +386,7 @@
           <a:p>
             <a:fld id="{8A376A05-844D-A64C-9434-FF3712A59FB6}" type="datetimeFigureOut">
               <a:rPr lang="en-GB" smtClean="0"/>
-              <a:t>15/08/2024</a:t>
+              <a:t>21/08/2024</a:t>
             </a:fld>
             <a:endParaRPr lang="en-GB"/>
           </a:p>
@@ -825,18 +824,15 @@
               <a:tabLst/>
               <a:defRPr/>
             </a:pPr>
-            <a:r>
-              <a:rPr lang="en-SG" sz="1200" b="0" i="0" u="none" strike="noStrike" kern="1200" dirty="0">
-                <a:solidFill>
-                  <a:schemeClr val="tx1"/>
-                </a:solidFill>
-                <a:effectLst/>
-                <a:latin typeface="+mn-lt"/>
-                <a:ea typeface="+mn-ea"/>
-                <a:cs typeface="+mn-cs"/>
-              </a:rPr>
-              <a:t>Answer is ~ 9%</a:t>
-            </a:r>
+            <a:endParaRPr lang="en-SG" sz="1200" b="0" i="0" u="none" strike="noStrike" kern="1200" dirty="0">
+              <a:solidFill>
+                <a:schemeClr val="tx1"/>
+              </a:solidFill>
+              <a:effectLst/>
+              <a:latin typeface="+mn-lt"/>
+              <a:ea typeface="+mn-ea"/>
+              <a:cs typeface="+mn-cs"/>
+            </a:endParaRPr>
           </a:p>
         </p:txBody>
       </p:sp>
@@ -866,7 +862,7 @@
     </p:spTree>
     <p:extLst>
       <p:ext uri="{BB962C8B-B14F-4D97-AF65-F5344CB8AC3E}">
-        <p14:creationId xmlns:p14="http://schemas.microsoft.com/office/powerpoint/2010/main" val="1820739229"/>
+        <p14:creationId xmlns:p14="http://schemas.microsoft.com/office/powerpoint/2010/main" val="3768134476"/>
       </p:ext>
     </p:extLst>
   </p:cSld>
@@ -877,115 +873,6 @@
 </file>
 
 <file path=ppt/notesSlides/notesSlide3.xml><?xml version="1.0" encoding="utf-8"?>
-<p:notes xmlns:a="http://schemas.openxmlformats.org/drawingml/2006/main" xmlns:r="http://schemas.openxmlformats.org/officeDocument/2006/relationships" xmlns:p="http://schemas.openxmlformats.org/presentationml/2006/main">
-  <p:cSld>
-    <p:spTree>
-      <p:nvGrpSpPr>
-        <p:cNvPr id="1" name=""/>
-        <p:cNvGrpSpPr/>
-        <p:nvPr/>
-      </p:nvGrpSpPr>
-      <p:grpSpPr>
-        <a:xfrm>
-          <a:off x="0" y="0"/>
-          <a:ext cx="0" cy="0"/>
-          <a:chOff x="0" y="0"/>
-          <a:chExt cx="0" cy="0"/>
-        </a:xfrm>
-      </p:grpSpPr>
-      <p:sp>
-        <p:nvSpPr>
-          <p:cNvPr id="2" name="Slide Image Placeholder 1"/>
-          <p:cNvSpPr>
-            <a:spLocks noGrp="1" noRot="1" noChangeAspect="1"/>
-          </p:cNvSpPr>
-          <p:nvPr>
-            <p:ph type="sldImg"/>
-          </p:nvPr>
-        </p:nvSpPr>
-        <p:spPr/>
-      </p:sp>
-      <p:sp>
-        <p:nvSpPr>
-          <p:cNvPr id="3" name="Notes Placeholder 2"/>
-          <p:cNvSpPr>
-            <a:spLocks noGrp="1"/>
-          </p:cNvSpPr>
-          <p:nvPr>
-            <p:ph type="body" idx="1"/>
-          </p:nvPr>
-        </p:nvSpPr>
-        <p:spPr/>
-        <p:txBody>
-          <a:bodyPr/>
-          <a:lstStyle/>
-          <a:p>
-            <a:pPr marL="0" marR="0" lvl="0" indent="0" algn="l" defTabSz="914400" rtl="0" eaLnBrk="1" fontAlgn="auto" latinLnBrk="0" hangingPunct="1">
-              <a:lnSpc>
-                <a:spcPct val="100000"/>
-              </a:lnSpc>
-              <a:spcBef>
-                <a:spcPts val="0"/>
-              </a:spcBef>
-              <a:spcAft>
-                <a:spcPts val="0"/>
-              </a:spcAft>
-              <a:buClrTx/>
-              <a:buSzTx/>
-              <a:buFontTx/>
-              <a:buNone/>
-              <a:tabLst/>
-              <a:defRPr/>
-            </a:pPr>
-            <a:endParaRPr lang="en-SG" sz="1200" b="0" i="0" u="none" strike="noStrike" kern="1200" dirty="0">
-              <a:solidFill>
-                <a:schemeClr val="tx1"/>
-              </a:solidFill>
-              <a:effectLst/>
-              <a:latin typeface="+mn-lt"/>
-              <a:ea typeface="+mn-ea"/>
-              <a:cs typeface="+mn-cs"/>
-            </a:endParaRPr>
-          </a:p>
-        </p:txBody>
-      </p:sp>
-      <p:sp>
-        <p:nvSpPr>
-          <p:cNvPr id="4" name="Slide Number Placeholder 3"/>
-          <p:cNvSpPr>
-            <a:spLocks noGrp="1"/>
-          </p:cNvSpPr>
-          <p:nvPr>
-            <p:ph type="sldNum" sz="quarter" idx="5"/>
-          </p:nvPr>
-        </p:nvSpPr>
-        <p:spPr/>
-        <p:txBody>
-          <a:bodyPr/>
-          <a:lstStyle/>
-          <a:p>
-            <a:fld id="{00852781-589E-1342-9FF2-F49B87B49D0B}" type="slidenum">
-              <a:rPr lang="en-GB" smtClean="0"/>
-              <a:t>3</a:t>
-            </a:fld>
-            <a:endParaRPr lang="en-GB"/>
-          </a:p>
-        </p:txBody>
-      </p:sp>
-    </p:spTree>
-    <p:extLst>
-      <p:ext uri="{BB962C8B-B14F-4D97-AF65-F5344CB8AC3E}">
-        <p14:creationId xmlns:p14="http://schemas.microsoft.com/office/powerpoint/2010/main" val="3768134476"/>
-      </p:ext>
-    </p:extLst>
-  </p:cSld>
-  <p:clrMapOvr>
-    <a:masterClrMapping/>
-  </p:clrMapOvr>
-</p:notes>
-</file>
-
-<file path=ppt/notesSlides/notesSlide4.xml><?xml version="1.0" encoding="utf-8"?>
 <p:notes xmlns:a="http://schemas.openxmlformats.org/drawingml/2006/main" xmlns:r="http://schemas.openxmlformats.org/officeDocument/2006/relationships" xmlns:p="http://schemas.openxmlformats.org/presentationml/2006/main">
   <p:cSld>
     <p:spTree>
@@ -1150,7 +1037,7 @@
           <a:p>
             <a:fld id="{00852781-589E-1342-9FF2-F49B87B49D0B}" type="slidenum">
               <a:rPr lang="en-GB" smtClean="0"/>
-              <a:t>4</a:t>
+              <a:t>3</a:t>
             </a:fld>
             <a:endParaRPr lang="en-GB"/>
           </a:p>
@@ -1169,7 +1056,7 @@
 </p:notes>
 </file>
 
-<file path=ppt/notesSlides/notesSlide5.xml><?xml version="1.0" encoding="utf-8"?>
+<file path=ppt/notesSlides/notesSlide4.xml><?xml version="1.0" encoding="utf-8"?>
 <p:notes xmlns:a="http://schemas.openxmlformats.org/drawingml/2006/main" xmlns:r="http://schemas.openxmlformats.org/officeDocument/2006/relationships" xmlns:p="http://schemas.openxmlformats.org/presentationml/2006/main">
   <p:cSld>
     <p:spTree>
@@ -1540,7 +1427,7 @@
           <a:p>
             <a:fld id="{00852781-589E-1342-9FF2-F49B87B49D0B}" type="slidenum">
               <a:rPr lang="en-GB" smtClean="0"/>
-              <a:t>5</a:t>
+              <a:t>4</a:t>
             </a:fld>
             <a:endParaRPr lang="en-GB"/>
           </a:p>
@@ -1559,7 +1446,7 @@
 </p:notes>
 </file>
 
-<file path=ppt/notesSlides/notesSlide6.xml><?xml version="1.0" encoding="utf-8"?>
+<file path=ppt/notesSlides/notesSlide5.xml><?xml version="1.0" encoding="utf-8"?>
 <p:notes xmlns:a="http://schemas.openxmlformats.org/drawingml/2006/main" xmlns:r="http://schemas.openxmlformats.org/officeDocument/2006/relationships" xmlns:p="http://schemas.openxmlformats.org/presentationml/2006/main">
   <p:cSld>
     <p:spTree>
@@ -1627,6 +1514,90 @@
           <a:p>
             <a:fld id="{00852781-589E-1342-9FF2-F49B87B49D0B}" type="slidenum">
               <a:rPr lang="en-GB" smtClean="0"/>
+              <a:t>5</a:t>
+            </a:fld>
+            <a:endParaRPr lang="en-GB"/>
+          </a:p>
+        </p:txBody>
+      </p:sp>
+    </p:spTree>
+    <p:extLst>
+      <p:ext uri="{BB962C8B-B14F-4D97-AF65-F5344CB8AC3E}">
+        <p14:creationId xmlns:p14="http://schemas.microsoft.com/office/powerpoint/2010/main" val="3599729223"/>
+      </p:ext>
+    </p:extLst>
+  </p:cSld>
+  <p:clrMapOvr>
+    <a:masterClrMapping/>
+  </p:clrMapOvr>
+</p:notes>
+</file>
+
+<file path=ppt/notesSlides/notesSlide6.xml><?xml version="1.0" encoding="utf-8"?>
+<p:notes xmlns:a="http://schemas.openxmlformats.org/drawingml/2006/main" xmlns:r="http://schemas.openxmlformats.org/officeDocument/2006/relationships" xmlns:p="http://schemas.openxmlformats.org/presentationml/2006/main">
+  <p:cSld>
+    <p:spTree>
+      <p:nvGrpSpPr>
+        <p:cNvPr id="1" name=""/>
+        <p:cNvGrpSpPr/>
+        <p:nvPr/>
+      </p:nvGrpSpPr>
+      <p:grpSpPr>
+        <a:xfrm>
+          <a:off x="0" y="0"/>
+          <a:ext cx="0" cy="0"/>
+          <a:chOff x="0" y="0"/>
+          <a:chExt cx="0" cy="0"/>
+        </a:xfrm>
+      </p:grpSpPr>
+      <p:sp>
+        <p:nvSpPr>
+          <p:cNvPr id="2" name="Slide Image Placeholder 1"/>
+          <p:cNvSpPr>
+            <a:spLocks noGrp="1" noRot="1" noChangeAspect="1"/>
+          </p:cNvSpPr>
+          <p:nvPr>
+            <p:ph type="sldImg"/>
+          </p:nvPr>
+        </p:nvSpPr>
+        <p:spPr/>
+      </p:sp>
+      <p:sp>
+        <p:nvSpPr>
+          <p:cNvPr id="3" name="Notes Placeholder 2"/>
+          <p:cNvSpPr>
+            <a:spLocks noGrp="1"/>
+          </p:cNvSpPr>
+          <p:nvPr>
+            <p:ph type="body" idx="1"/>
+          </p:nvPr>
+        </p:nvSpPr>
+        <p:spPr/>
+        <p:txBody>
+          <a:bodyPr/>
+          <a:lstStyle/>
+          <a:p>
+            <a:endParaRPr lang="en-GB" dirty="0"/>
+          </a:p>
+        </p:txBody>
+      </p:sp>
+      <p:sp>
+        <p:nvSpPr>
+          <p:cNvPr id="4" name="Slide Number Placeholder 3"/>
+          <p:cNvSpPr>
+            <a:spLocks noGrp="1"/>
+          </p:cNvSpPr>
+          <p:nvPr>
+            <p:ph type="sldNum" sz="quarter" idx="5"/>
+          </p:nvPr>
+        </p:nvSpPr>
+        <p:spPr/>
+        <p:txBody>
+          <a:bodyPr/>
+          <a:lstStyle/>
+          <a:p>
+            <a:fld id="{00852781-589E-1342-9FF2-F49B87B49D0B}" type="slidenum">
+              <a:rPr lang="en-GB" smtClean="0"/>
               <a:t>6</a:t>
             </a:fld>
             <a:endParaRPr lang="en-GB"/>
@@ -1636,7 +1607,7 @@
     </p:spTree>
     <p:extLst>
       <p:ext uri="{BB962C8B-B14F-4D97-AF65-F5344CB8AC3E}">
-        <p14:creationId xmlns:p14="http://schemas.microsoft.com/office/powerpoint/2010/main" val="3599729223"/>
+        <p14:creationId xmlns:p14="http://schemas.microsoft.com/office/powerpoint/2010/main" val="2037945182"/>
       </p:ext>
     </p:extLst>
   </p:cSld>
@@ -1720,7 +1691,7 @@
     </p:spTree>
     <p:extLst>
       <p:ext uri="{BB962C8B-B14F-4D97-AF65-F5344CB8AC3E}">
-        <p14:creationId xmlns:p14="http://schemas.microsoft.com/office/powerpoint/2010/main" val="2037945182"/>
+        <p14:creationId xmlns:p14="http://schemas.microsoft.com/office/powerpoint/2010/main" val="3157986637"/>
       </p:ext>
     </p:extLst>
   </p:cSld>
@@ -1731,90 +1702,6 @@
 </file>
 
 <file path=ppt/notesSlides/notesSlide8.xml><?xml version="1.0" encoding="utf-8"?>
-<p:notes xmlns:a="http://schemas.openxmlformats.org/drawingml/2006/main" xmlns:r="http://schemas.openxmlformats.org/officeDocument/2006/relationships" xmlns:p="http://schemas.openxmlformats.org/presentationml/2006/main">
-  <p:cSld>
-    <p:spTree>
-      <p:nvGrpSpPr>
-        <p:cNvPr id="1" name=""/>
-        <p:cNvGrpSpPr/>
-        <p:nvPr/>
-      </p:nvGrpSpPr>
-      <p:grpSpPr>
-        <a:xfrm>
-          <a:off x="0" y="0"/>
-          <a:ext cx="0" cy="0"/>
-          <a:chOff x="0" y="0"/>
-          <a:chExt cx="0" cy="0"/>
-        </a:xfrm>
-      </p:grpSpPr>
-      <p:sp>
-        <p:nvSpPr>
-          <p:cNvPr id="2" name="Slide Image Placeholder 1"/>
-          <p:cNvSpPr>
-            <a:spLocks noGrp="1" noRot="1" noChangeAspect="1"/>
-          </p:cNvSpPr>
-          <p:nvPr>
-            <p:ph type="sldImg"/>
-          </p:nvPr>
-        </p:nvSpPr>
-        <p:spPr/>
-      </p:sp>
-      <p:sp>
-        <p:nvSpPr>
-          <p:cNvPr id="3" name="Notes Placeholder 2"/>
-          <p:cNvSpPr>
-            <a:spLocks noGrp="1"/>
-          </p:cNvSpPr>
-          <p:nvPr>
-            <p:ph type="body" idx="1"/>
-          </p:nvPr>
-        </p:nvSpPr>
-        <p:spPr/>
-        <p:txBody>
-          <a:bodyPr/>
-          <a:lstStyle/>
-          <a:p>
-            <a:endParaRPr lang="en-GB" dirty="0"/>
-          </a:p>
-        </p:txBody>
-      </p:sp>
-      <p:sp>
-        <p:nvSpPr>
-          <p:cNvPr id="4" name="Slide Number Placeholder 3"/>
-          <p:cNvSpPr>
-            <a:spLocks noGrp="1"/>
-          </p:cNvSpPr>
-          <p:nvPr>
-            <p:ph type="sldNum" sz="quarter" idx="5"/>
-          </p:nvPr>
-        </p:nvSpPr>
-        <p:spPr/>
-        <p:txBody>
-          <a:bodyPr/>
-          <a:lstStyle/>
-          <a:p>
-            <a:fld id="{00852781-589E-1342-9FF2-F49B87B49D0B}" type="slidenum">
-              <a:rPr lang="en-GB" smtClean="0"/>
-              <a:t>8</a:t>
-            </a:fld>
-            <a:endParaRPr lang="en-GB"/>
-          </a:p>
-        </p:txBody>
-      </p:sp>
-    </p:spTree>
-    <p:extLst>
-      <p:ext uri="{BB962C8B-B14F-4D97-AF65-F5344CB8AC3E}">
-        <p14:creationId xmlns:p14="http://schemas.microsoft.com/office/powerpoint/2010/main" val="3157986637"/>
-      </p:ext>
-    </p:extLst>
-  </p:cSld>
-  <p:clrMapOvr>
-    <a:masterClrMapping/>
-  </p:clrMapOvr>
-</p:notes>
-</file>
-
-<file path=ppt/notesSlides/notesSlide9.xml><?xml version="1.0" encoding="utf-8"?>
 <p:notes xmlns:a="http://schemas.openxmlformats.org/drawingml/2006/main" xmlns:r="http://schemas.openxmlformats.org/officeDocument/2006/relationships" xmlns:p="http://schemas.openxmlformats.org/presentationml/2006/main">
   <p:cSld>
     <p:spTree>
@@ -1904,7 +1791,7 @@
           <a:p>
             <a:fld id="{00852781-589E-1342-9FF2-F49B87B49D0B}" type="slidenum">
               <a:rPr lang="en-GB" smtClean="0"/>
-              <a:t>9</a:t>
+              <a:t>8</a:t>
             </a:fld>
             <a:endParaRPr lang="en-GB"/>
           </a:p>
@@ -10716,7 +10603,7 @@
           <a:p>
             <a:fld id="{5D8171C0-695E-BD4E-B021-8976B44C063A}" type="datetime1">
               <a:rPr lang="en-SG" smtClean="0"/>
-              <a:t>15/8/24</a:t>
+              <a:t>21/8/24</a:t>
             </a:fld>
             <a:endParaRPr lang="en-GB"/>
           </a:p>
@@ -10923,7 +10810,7 @@
           <a:p>
             <a:fld id="{6F853C54-8EB9-C24B-9C31-2B1DDC9DE9A6}" type="datetime1">
               <a:rPr lang="en-SG" smtClean="0"/>
-              <a:t>15/8/24</a:t>
+              <a:t>21/8/24</a:t>
             </a:fld>
             <a:endParaRPr lang="en-GB"/>
           </a:p>
@@ -11098,7 +10985,7 @@
           <a:p>
             <a:fld id="{3472FA3B-614A-7B44-98FC-38DCC6EB32F4}" type="datetime1">
               <a:rPr lang="en-SG" smtClean="0"/>
-              <a:t>15/8/24</a:t>
+              <a:t>21/8/24</a:t>
             </a:fld>
             <a:endParaRPr lang="en-GB"/>
           </a:p>
@@ -11332,7 +11219,7 @@
           <a:p>
             <a:fld id="{159A31D3-5D48-6C49-8100-1BFEDDA27045}" type="datetime1">
               <a:rPr lang="en-SG" smtClean="0"/>
-              <a:t>15/8/24</a:t>
+              <a:t>21/8/24</a:t>
             </a:fld>
             <a:endParaRPr lang="en-GB"/>
           </a:p>
@@ -20237,7 +20124,7 @@
           <a:p>
             <a:fld id="{33FB4DE5-3FA5-CB41-9D0A-192659D1CB71}" type="datetime1">
               <a:rPr lang="en-SG" smtClean="0"/>
-              <a:t>15/8/24</a:t>
+              <a:t>21/8/24</a:t>
             </a:fld>
             <a:endParaRPr lang="en-GB"/>
           </a:p>
@@ -20510,7 +20397,7 @@
           <a:p>
             <a:fld id="{2BA4E459-705C-6E47-A7D6-9BAC4DCC79E5}" type="datetime1">
               <a:rPr lang="en-SG" smtClean="0"/>
-              <a:t>15/8/24</a:t>
+              <a:t>21/8/24</a:t>
             </a:fld>
             <a:endParaRPr lang="en-GB"/>
           </a:p>
@@ -20908,7 +20795,7 @@
           <a:p>
             <a:fld id="{7A41D9F5-A799-534F-ADC1-59DEE366892C}" type="datetime1">
               <a:rPr lang="en-SG" smtClean="0"/>
-              <a:t>15/8/24</a:t>
+              <a:t>21/8/24</a:t>
             </a:fld>
             <a:endParaRPr lang="en-GB"/>
           </a:p>
@@ -21026,7 +20913,7 @@
           <a:p>
             <a:fld id="{65CD0D58-1596-D242-A555-BB899CD37BDE}" type="datetime1">
               <a:rPr lang="en-SG" smtClean="0"/>
-              <a:t>15/8/24</a:t>
+              <a:t>21/8/24</a:t>
             </a:fld>
             <a:endParaRPr lang="en-GB"/>
           </a:p>
@@ -21116,7 +21003,7 @@
           <a:p>
             <a:fld id="{C6195D21-BC09-2042-8183-6DEFCDF5312A}" type="datetime1">
               <a:rPr lang="en-SG" smtClean="0"/>
-              <a:t>15/8/24</a:t>
+              <a:t>21/8/24</a:t>
             </a:fld>
             <a:endParaRPr lang="en-GB"/>
           </a:p>
@@ -21406,7 +21293,7 @@
           <a:p>
             <a:fld id="{96BFDC18-B983-004C-8152-2C2BF2CFEDD7}" type="datetime1">
               <a:rPr lang="en-SG" smtClean="0"/>
-              <a:t>15/8/24</a:t>
+              <a:t>21/8/24</a:t>
             </a:fld>
             <a:endParaRPr lang="en-GB"/>
           </a:p>
@@ -21686,7 +21573,7 @@
           <a:p>
             <a:fld id="{2B69BD44-7826-F548-A836-9F6150569590}" type="datetime1">
               <a:rPr lang="en-SG" smtClean="0"/>
-              <a:t>15/8/24</a:t>
+              <a:t>21/8/24</a:t>
             </a:fld>
             <a:endParaRPr lang="en-GB"/>
           </a:p>
@@ -22054,7 +21941,7 @@
           <a:p>
             <a:fld id="{2DC3BF20-5808-0847-A21A-F2A835930045}" type="datetime1">
               <a:rPr lang="en-SG" smtClean="0"/>
-              <a:t>15/8/24</a:t>
+              <a:t>21/8/24</a:t>
             </a:fld>
             <a:endParaRPr lang="en-GB"/>
           </a:p>
@@ -23036,202 +22923,6 @@
         </p:nvSpPr>
         <p:spPr>
           <a:xfrm>
-            <a:off x="1024127" y="402336"/>
-            <a:ext cx="10140401" cy="1219987"/>
-          </a:xfrm>
-        </p:spPr>
-        <p:txBody>
-          <a:bodyPr>
-            <a:normAutofit/>
-          </a:bodyPr>
-          <a:lstStyle/>
-          <a:p>
-            <a:r>
-              <a:rPr lang="en-GB" sz="3600" cap="none" dirty="0">
-                <a:latin typeface="+mn-lt"/>
-              </a:rPr>
-              <a:t>Teaser</a:t>
-            </a:r>
-          </a:p>
-        </p:txBody>
-      </p:sp>
-      <p:sp>
-        <p:nvSpPr>
-          <p:cNvPr id="4" name="Content Placeholder 3">
-            <a:extLst>
-              <a:ext uri="{FF2B5EF4-FFF2-40B4-BE49-F238E27FC236}">
-                <a16:creationId xmlns:a16="http://schemas.microsoft.com/office/drawing/2014/main" id="{5F0F6D09-21D1-B445-A0D3-811B8173FDA9}"/>
-              </a:ext>
-            </a:extLst>
-          </p:cNvPr>
-          <p:cNvSpPr>
-            <a:spLocks noGrp="1"/>
-          </p:cNvSpPr>
-          <p:nvPr>
-            <p:ph idx="1"/>
-          </p:nvPr>
-        </p:nvSpPr>
-        <p:spPr>
-          <a:xfrm>
-            <a:off x="1024129" y="1873045"/>
-            <a:ext cx="10140399" cy="4984955"/>
-          </a:xfrm>
-        </p:spPr>
-        <p:txBody>
-          <a:bodyPr>
-            <a:normAutofit/>
-          </a:bodyPr>
-          <a:lstStyle/>
-          <a:p>
-            <a:r>
-              <a:rPr lang="en-GB" dirty="0"/>
-              <a:t>In a cohort of women;</a:t>
-            </a:r>
-            <a:br>
-              <a:rPr lang="en-GB" dirty="0"/>
-            </a:br>
-            <a:r>
-              <a:rPr lang="en-GB" dirty="0"/>
-              <a:t>- 0.8% have cancer</a:t>
-            </a:r>
-            <a:br>
-              <a:rPr lang="en-GB" dirty="0"/>
-            </a:br>
-            <a:r>
-              <a:rPr lang="en-GB" dirty="0"/>
-              <a:t>- The probability they have a positive mammogram given they have breast cancer is 90%</a:t>
-            </a:r>
-            <a:br>
-              <a:rPr lang="en-GB" dirty="0"/>
-            </a:br>
-            <a:r>
-              <a:rPr lang="en-GB" dirty="0"/>
-              <a:t>- The probability they have a positive mammogram given they do not have breast cancer is 7%</a:t>
-            </a:r>
-            <a:br>
-              <a:rPr lang="en-GB" dirty="0"/>
-            </a:br>
-            <a:br>
-              <a:rPr lang="en-GB" dirty="0"/>
-            </a:br>
-            <a:r>
-              <a:rPr lang="en-GB" b="1" dirty="0"/>
-              <a:t>If you get a positive mammogram what is the probability you have breast cancer?</a:t>
-            </a:r>
-          </a:p>
-          <a:p>
-            <a:pPr marL="811842" lvl="1" indent="-541338">
-              <a:lnSpc>
-                <a:spcPct val="150000"/>
-              </a:lnSpc>
-              <a:buFont typeface="Wingdings" pitchFamily="2" charset="2"/>
-              <a:buChar char="v"/>
-            </a:pPr>
-            <a:endParaRPr lang="en-GB" sz="1600" dirty="0">
-              <a:latin typeface="Menlo" panose="020B0609030804020204" pitchFamily="49" charset="0"/>
-              <a:ea typeface="Menlo" panose="020B0609030804020204" pitchFamily="49" charset="0"/>
-              <a:cs typeface="Menlo" panose="020B0609030804020204" pitchFamily="49" charset="0"/>
-            </a:endParaRPr>
-          </a:p>
-          <a:p>
-            <a:pPr marL="811842" lvl="1" indent="-541338">
-              <a:lnSpc>
-                <a:spcPct val="150000"/>
-              </a:lnSpc>
-              <a:buFont typeface="Wingdings" pitchFamily="2" charset="2"/>
-              <a:buChar char="v"/>
-            </a:pPr>
-            <a:endParaRPr lang="en-GB" sz="2200" dirty="0"/>
-          </a:p>
-          <a:p>
-            <a:pPr marL="811842" lvl="1" indent="-541338">
-              <a:lnSpc>
-                <a:spcPct val="150000"/>
-              </a:lnSpc>
-              <a:buFont typeface="Wingdings" pitchFamily="2" charset="2"/>
-              <a:buChar char="v"/>
-            </a:pPr>
-            <a:endParaRPr lang="en-GB" sz="2200" dirty="0"/>
-          </a:p>
-        </p:txBody>
-      </p:sp>
-      <p:sp>
-        <p:nvSpPr>
-          <p:cNvPr id="3" name="Slide Number Placeholder 2">
-            <a:extLst>
-              <a:ext uri="{FF2B5EF4-FFF2-40B4-BE49-F238E27FC236}">
-                <a16:creationId xmlns:a16="http://schemas.microsoft.com/office/drawing/2014/main" id="{C6E5CD97-EBA1-B146-AC2F-3BBCE1ADE91D}"/>
-              </a:ext>
-            </a:extLst>
-          </p:cNvPr>
-          <p:cNvSpPr>
-            <a:spLocks noGrp="1"/>
-          </p:cNvSpPr>
-          <p:nvPr>
-            <p:ph type="sldNum" sz="quarter" idx="12"/>
-          </p:nvPr>
-        </p:nvSpPr>
-        <p:spPr/>
-        <p:txBody>
-          <a:bodyPr/>
-          <a:lstStyle/>
-          <a:p>
-            <a:fld id="{9F3C1A03-04C2-0846-ADDA-213E9916F0D3}" type="slidenum">
-              <a:rPr lang="en-GB" smtClean="0"/>
-              <a:t>2</a:t>
-            </a:fld>
-            <a:endParaRPr lang="en-GB"/>
-          </a:p>
-        </p:txBody>
-      </p:sp>
-    </p:spTree>
-    <p:extLst>
-      <p:ext uri="{BB962C8B-B14F-4D97-AF65-F5344CB8AC3E}">
-        <p14:creationId xmlns:p14="http://schemas.microsoft.com/office/powerpoint/2010/main" val="901602549"/>
-      </p:ext>
-    </p:extLst>
-  </p:cSld>
-  <p:clrMapOvr>
-    <a:masterClrMapping/>
-  </p:clrMapOvr>
-</p:sld>
-</file>
-
-<file path=ppt/slides/slide3.xml><?xml version="1.0" encoding="utf-8"?>
-<p:sld xmlns:a="http://schemas.openxmlformats.org/drawingml/2006/main" xmlns:r="http://schemas.openxmlformats.org/officeDocument/2006/relationships" xmlns:p="http://schemas.openxmlformats.org/presentationml/2006/main">
-  <p:cSld>
-    <p:spTree>
-      <p:nvGrpSpPr>
-        <p:cNvPr id="1" name=""/>
-        <p:cNvGrpSpPr/>
-        <p:nvPr/>
-      </p:nvGrpSpPr>
-      <p:grpSpPr>
-        <a:xfrm>
-          <a:off x="0" y="0"/>
-          <a:ext cx="0" cy="0"/>
-          <a:chOff x="0" y="0"/>
-          <a:chExt cx="0" cy="0"/>
-        </a:xfrm>
-      </p:grpSpPr>
-      <p:sp>
-        <p:nvSpPr>
-          <p:cNvPr id="2" name="Title 1">
-            <a:extLst>
-              <a:ext uri="{FF2B5EF4-FFF2-40B4-BE49-F238E27FC236}">
-                <a16:creationId xmlns:a16="http://schemas.microsoft.com/office/drawing/2014/main" id="{67D32647-30F0-3B45-868F-FBC0B1734A50}"/>
-              </a:ext>
-            </a:extLst>
-          </p:cNvPr>
-          <p:cNvSpPr>
-            <a:spLocks noGrp="1"/>
-          </p:cNvSpPr>
-          <p:nvPr>
-            <p:ph type="title"/>
-          </p:nvPr>
-        </p:nvSpPr>
-        <p:spPr>
-          <a:xfrm>
             <a:off x="869148" y="402336"/>
             <a:ext cx="10767329" cy="1111262"/>
           </a:xfrm>
@@ -23281,7 +22972,7 @@
           <a:p>
             <a:fld id="{9F3C1A03-04C2-0846-ADDA-213E9916F0D3}" type="slidenum">
               <a:rPr lang="en-GB" smtClean="0"/>
-              <a:t>3</a:t>
+              <a:t>2</a:t>
             </a:fld>
             <a:endParaRPr lang="en-GB"/>
           </a:p>
@@ -23335,7 +23026,7 @@
 </p:sld>
 </file>
 
-<file path=ppt/slides/slide4.xml><?xml version="1.0" encoding="utf-8"?>
+<file path=ppt/slides/slide3.xml><?xml version="1.0" encoding="utf-8"?>
 <p:sld xmlns:a="http://schemas.openxmlformats.org/drawingml/2006/main" xmlns:r="http://schemas.openxmlformats.org/officeDocument/2006/relationships" xmlns:p="http://schemas.openxmlformats.org/presentationml/2006/main">
   <p:cSld>
     <p:spTree>
@@ -23554,7 +23245,7 @@
           <a:p>
             <a:fld id="{9F3C1A03-04C2-0846-ADDA-213E9916F0D3}" type="slidenum">
               <a:rPr lang="en-GB" smtClean="0"/>
-              <a:t>4</a:t>
+              <a:t>3</a:t>
             </a:fld>
             <a:endParaRPr lang="en-GB"/>
           </a:p>
@@ -23769,7 +23460,7 @@
 </p:sld>
 </file>
 
-<file path=ppt/slides/slide5.xml><?xml version="1.0" encoding="utf-8"?>
+<file path=ppt/slides/slide4.xml><?xml version="1.0" encoding="utf-8"?>
 <p:sld xmlns:a="http://schemas.openxmlformats.org/drawingml/2006/main" xmlns:r="http://schemas.openxmlformats.org/officeDocument/2006/relationships" xmlns:p="http://schemas.openxmlformats.org/presentationml/2006/main">
   <p:cSld>
     <p:spTree>
@@ -23934,7 +23625,7 @@
           <a:p>
             <a:fld id="{9F3C1A03-04C2-0846-ADDA-213E9916F0D3}" type="slidenum">
               <a:rPr lang="en-GB" smtClean="0"/>
-              <a:t>5</a:t>
+              <a:t>4</a:t>
             </a:fld>
             <a:endParaRPr lang="en-GB"/>
           </a:p>
@@ -24106,7 +23797,7 @@
 </p:sld>
 </file>
 
-<file path=ppt/slides/slide6.xml><?xml version="1.0" encoding="utf-8"?>
+<file path=ppt/slides/slide5.xml><?xml version="1.0" encoding="utf-8"?>
 <p:sld xmlns:a="http://schemas.openxmlformats.org/drawingml/2006/main" xmlns:r="http://schemas.openxmlformats.org/officeDocument/2006/relationships" xmlns:p="http://schemas.openxmlformats.org/presentationml/2006/main">
   <p:cSld>
     <p:spTree>
@@ -24282,7 +23973,7 @@
           <a:p>
             <a:fld id="{9F3C1A03-04C2-0846-ADDA-213E9916F0D3}" type="slidenum">
               <a:rPr lang="en-GB" smtClean="0"/>
-              <a:t>6</a:t>
+              <a:t>5</a:t>
             </a:fld>
             <a:endParaRPr lang="en-GB"/>
           </a:p>
@@ -24369,7 +24060,7 @@
 </p:sld>
 </file>
 
-<file path=ppt/slides/slide7.xml><?xml version="1.0" encoding="utf-8"?>
+<file path=ppt/slides/slide6.xml><?xml version="1.0" encoding="utf-8"?>
 <p:sld xmlns:a="http://schemas.openxmlformats.org/drawingml/2006/main" xmlns:r="http://schemas.openxmlformats.org/officeDocument/2006/relationships" xmlns:p="http://schemas.openxmlformats.org/presentationml/2006/main">
   <p:cSld>
     <p:spTree>
@@ -24447,7 +24138,7 @@
           <a:p>
             <a:fld id="{9F3C1A03-04C2-0846-ADDA-213E9916F0D3}" type="slidenum">
               <a:rPr lang="en-GB" smtClean="0"/>
-              <a:t>7</a:t>
+              <a:t>6</a:t>
             </a:fld>
             <a:endParaRPr lang="en-GB"/>
           </a:p>
@@ -24536,7 +24227,7 @@
 </p:sld>
 </file>
 
-<file path=ppt/slides/slide8.xml><?xml version="1.0" encoding="utf-8"?>
+<file path=ppt/slides/slide7.xml><?xml version="1.0" encoding="utf-8"?>
 <p:sld xmlns:a="http://schemas.openxmlformats.org/drawingml/2006/main" xmlns:r="http://schemas.openxmlformats.org/officeDocument/2006/relationships" xmlns:p="http://schemas.openxmlformats.org/presentationml/2006/main">
   <p:cSld>
     <p:spTree>
@@ -24614,7 +24305,7 @@
           <a:p>
             <a:fld id="{9F3C1A03-04C2-0846-ADDA-213E9916F0D3}" type="slidenum">
               <a:rPr lang="en-GB" smtClean="0"/>
-              <a:t>8</a:t>
+              <a:t>7</a:t>
             </a:fld>
             <a:endParaRPr lang="en-GB"/>
           </a:p>
@@ -24658,7 +24349,7 @@
           <a:noFill/>
           <a:extLst>
             <a:ext uri="{909E8E84-426E-40dd-AFC4-6F175D3DCCD1}">
-              <a14:hiddenFill xmlns="" xmlns:a14="http://schemas.microsoft.com/office/drawing/2010/main">
+              <a14:hiddenFill xmlns:a14="http://schemas.microsoft.com/office/drawing/2010/main" xmlns="">
                 <a:solidFill>
                   <a:srgbClr val="FFFFFF"/>
                 </a:solidFill>
@@ -24964,7 +24655,7 @@
           <a:noFill/>
           <a:extLst>
             <a:ext uri="{909E8E84-426E-40dd-AFC4-6F175D3DCCD1}">
-              <a14:hiddenFill xmlns="" xmlns:a14="http://schemas.microsoft.com/office/drawing/2010/main">
+              <a14:hiddenFill xmlns:a14="http://schemas.microsoft.com/office/drawing/2010/main" xmlns="">
                 <a:solidFill>
                   <a:srgbClr val="FFFFFF"/>
                 </a:solidFill>
@@ -24986,7 +24677,7 @@
 </p:sld>
 </file>
 
-<file path=ppt/slides/slide9.xml><?xml version="1.0" encoding="utf-8"?>
+<file path=ppt/slides/slide8.xml><?xml version="1.0" encoding="utf-8"?>
 <p:sld xmlns:a="http://schemas.openxmlformats.org/drawingml/2006/main" xmlns:r="http://schemas.openxmlformats.org/officeDocument/2006/relationships" xmlns:p="http://schemas.openxmlformats.org/presentationml/2006/main">
   <p:cSld>
     <p:spTree>
@@ -25026,7 +24717,7 @@
           <a:p>
             <a:fld id="{9F3C1A03-04C2-0846-ADDA-213E9916F0D3}" type="slidenum">
               <a:rPr lang="en-GB" smtClean="0"/>
-              <a:t>9</a:t>
+              <a:t>8</a:t>
             </a:fld>
             <a:endParaRPr lang="en-GB"/>
           </a:p>
